--- a/CSOF5101 Ingeniera de Software/TSP/POST MORTEM TSP Ciclo 1.pptx
+++ b/CSOF5101 Ingeniera de Software/TSP/POST MORTEM TSP Ciclo 1.pptx
@@ -13,10 +13,13 @@
     <p:sldId id="267" r:id="rId7"/>
     <p:sldId id="257" r:id="rId8"/>
     <p:sldId id="259" r:id="rId9"/>
-    <p:sldId id="263" r:id="rId10"/>
-    <p:sldId id="262" r:id="rId11"/>
-    <p:sldId id="260" r:id="rId12"/>
-    <p:sldId id="261" r:id="rId13"/>
+    <p:sldId id="268" r:id="rId10"/>
+    <p:sldId id="263" r:id="rId11"/>
+    <p:sldId id="269" r:id="rId12"/>
+    <p:sldId id="262" r:id="rId13"/>
+    <p:sldId id="261" r:id="rId14"/>
+    <p:sldId id="270" r:id="rId15"/>
+    <p:sldId id="271" r:id="rId16"/>
   </p:sldIdLst>
   <p:sldSz cx="9144000" cy="6858000" type="screen4x3"/>
   <p:notesSz cx="6858000" cy="9144000"/>
@@ -118,6 +121,605 @@
 </p:presentation>
 </file>
 
+<file path=ppt/charts/chart1.xml><?xml version="1.0" encoding="utf-8"?>
+<c:chartSpace xmlns:c="http://schemas.openxmlformats.org/drawingml/2006/chart" xmlns:a="http://schemas.openxmlformats.org/drawingml/2006/main" xmlns:r="http://schemas.openxmlformats.org/officeDocument/2006/relationships">
+  <c:date1904 val="1"/>
+  <c:lang val="en-US"/>
+  <c:chart>
+    <c:title>
+      <c:tx>
+        <c:rich>
+          <a:bodyPr/>
+          <a:lstStyle/>
+          <a:p>
+            <a:pPr>
+              <a:defRPr/>
+            </a:pPr>
+            <a:r>
+              <a:rPr lang="en-US"/>
+              <a:t>Planeados</a:t>
+            </a:r>
+            <a:r>
+              <a:rPr lang="en-US" baseline="0"/>
+              <a:t> vs Reales</a:t>
+            </a:r>
+            <a:endParaRPr lang="en-US"/>
+          </a:p>
+        </c:rich>
+      </c:tx>
+      <c:layout/>
+    </c:title>
+    <c:plotArea>
+      <c:layout/>
+      <c:barChart>
+        <c:barDir val="col"/>
+        <c:grouping val="clustered"/>
+        <c:ser>
+          <c:idx val="0"/>
+          <c:order val="0"/>
+          <c:tx>
+            <c:v>Planeado</c:v>
+          </c:tx>
+          <c:cat>
+            <c:strRef>
+              <c:f>Hoja2!$A$1:$A$6</c:f>
+              <c:strCache>
+                <c:ptCount val="6"/>
+                <c:pt idx="0">
+                  <c:v>Sandra</c:v>
+                </c:pt>
+                <c:pt idx="1">
+                  <c:v>Carlos</c:v>
+                </c:pt>
+                <c:pt idx="2">
+                  <c:v>Erik</c:v>
+                </c:pt>
+                <c:pt idx="3">
+                  <c:v>Mauricio</c:v>
+                </c:pt>
+                <c:pt idx="4">
+                  <c:v>David</c:v>
+                </c:pt>
+                <c:pt idx="5">
+                  <c:v>William</c:v>
+                </c:pt>
+              </c:strCache>
+            </c:strRef>
+          </c:cat>
+          <c:val>
+            <c:numRef>
+              <c:f>Hoja2!$B$1:$B$6</c:f>
+              <c:numCache>
+                <c:formatCode>0.0</c:formatCode>
+                <c:ptCount val="6"/>
+                <c:pt idx="0">
+                  <c:v>17.5</c:v>
+                </c:pt>
+                <c:pt idx="1">
+                  <c:v>19.5</c:v>
+                </c:pt>
+                <c:pt idx="2">
+                  <c:v>21.5</c:v>
+                </c:pt>
+                <c:pt idx="3">
+                  <c:v>17</c:v>
+                </c:pt>
+                <c:pt idx="4">
+                  <c:v>15.5</c:v>
+                </c:pt>
+                <c:pt idx="5">
+                  <c:v>28.5</c:v>
+                </c:pt>
+              </c:numCache>
+            </c:numRef>
+          </c:val>
+        </c:ser>
+        <c:ser>
+          <c:idx val="1"/>
+          <c:order val="1"/>
+          <c:tx>
+            <c:v>Registrado</c:v>
+          </c:tx>
+          <c:cat>
+            <c:strRef>
+              <c:f>Hoja2!$A$1:$A$6</c:f>
+              <c:strCache>
+                <c:ptCount val="6"/>
+                <c:pt idx="0">
+                  <c:v>Sandra</c:v>
+                </c:pt>
+                <c:pt idx="1">
+                  <c:v>Carlos</c:v>
+                </c:pt>
+                <c:pt idx="2">
+                  <c:v>Erik</c:v>
+                </c:pt>
+                <c:pt idx="3">
+                  <c:v>Mauricio</c:v>
+                </c:pt>
+                <c:pt idx="4">
+                  <c:v>David</c:v>
+                </c:pt>
+                <c:pt idx="5">
+                  <c:v>William</c:v>
+                </c:pt>
+              </c:strCache>
+            </c:strRef>
+          </c:cat>
+          <c:val>
+            <c:numRef>
+              <c:f>Hoja2!$C$1:$C$6</c:f>
+              <c:numCache>
+                <c:formatCode>0.0</c:formatCode>
+                <c:ptCount val="6"/>
+                <c:pt idx="0">
+                  <c:v>9</c:v>
+                </c:pt>
+                <c:pt idx="1">
+                  <c:v>9</c:v>
+                </c:pt>
+                <c:pt idx="2">
+                  <c:v>7</c:v>
+                </c:pt>
+                <c:pt idx="3">
+                  <c:v>12.666666666666679</c:v>
+                </c:pt>
+                <c:pt idx="4">
+                  <c:v>12.483333333333334</c:v>
+                </c:pt>
+                <c:pt idx="5">
+                  <c:v>9.6666666666666767</c:v>
+                </c:pt>
+              </c:numCache>
+            </c:numRef>
+          </c:val>
+        </c:ser>
+        <c:axId val="79173888"/>
+        <c:axId val="79184256"/>
+      </c:barChart>
+      <c:catAx>
+        <c:axId val="79173888"/>
+        <c:scaling>
+          <c:orientation val="minMax"/>
+        </c:scaling>
+        <c:axPos val="b"/>
+        <c:majorTickMark val="none"/>
+        <c:tickLblPos val="nextTo"/>
+        <c:crossAx val="79184256"/>
+        <c:crosses val="autoZero"/>
+        <c:auto val="1"/>
+        <c:lblAlgn val="ctr"/>
+        <c:lblOffset val="100"/>
+      </c:catAx>
+      <c:valAx>
+        <c:axId val="79184256"/>
+        <c:scaling>
+          <c:orientation val="minMax"/>
+        </c:scaling>
+        <c:axPos val="l"/>
+        <c:majorGridlines/>
+        <c:title>
+          <c:tx>
+            <c:rich>
+              <a:bodyPr/>
+              <a:lstStyle/>
+              <a:p>
+                <a:pPr>
+                  <a:defRPr/>
+                </a:pPr>
+                <a:r>
+                  <a:rPr lang="en-US"/>
+                  <a:t>Horas</a:t>
+                </a:r>
+              </a:p>
+            </c:rich>
+          </c:tx>
+          <c:layout/>
+        </c:title>
+        <c:numFmt formatCode="0.0" sourceLinked="1"/>
+        <c:majorTickMark val="none"/>
+        <c:tickLblPos val="nextTo"/>
+        <c:crossAx val="79173888"/>
+        <c:crosses val="autoZero"/>
+        <c:crossBetween val="between"/>
+      </c:valAx>
+      <c:dTable>
+        <c:showHorzBorder val="1"/>
+        <c:showVertBorder val="1"/>
+        <c:showOutline val="1"/>
+        <c:showKeys val="1"/>
+      </c:dTable>
+    </c:plotArea>
+    <c:plotVisOnly val="1"/>
+  </c:chart>
+  <c:externalData r:id="rId1"/>
+</c:chartSpace>
+</file>
+
+<file path=ppt/charts/chart2.xml><?xml version="1.0" encoding="utf-8"?>
+<c:chartSpace xmlns:c="http://schemas.openxmlformats.org/drawingml/2006/chart" xmlns:a="http://schemas.openxmlformats.org/drawingml/2006/main" xmlns:r="http://schemas.openxmlformats.org/officeDocument/2006/relationships">
+  <c:date1904 val="1"/>
+  <c:lang val="en-US"/>
+  <c:style val="34"/>
+  <c:chart>
+    <c:title>
+      <c:tx>
+        <c:rich>
+          <a:bodyPr/>
+          <a:lstStyle/>
+          <a:p>
+            <a:pPr>
+              <a:defRPr sz="1100"/>
+            </a:pPr>
+            <a:r>
+              <a:rPr lang="es-CO" sz="1100"/>
+              <a:t>Realimentación Interna</a:t>
+            </a:r>
+          </a:p>
+        </c:rich>
+      </c:tx>
+      <c:layout/>
+    </c:title>
+    <c:plotArea>
+      <c:layout/>
+      <c:barChart>
+        <c:barDir val="col"/>
+        <c:grouping val="clustered"/>
+        <c:ser>
+          <c:idx val="0"/>
+          <c:order val="0"/>
+          <c:tx>
+            <c:strRef>
+              <c:f>Hoja1!$E$13</c:f>
+              <c:strCache>
+                <c:ptCount val="1"/>
+                <c:pt idx="0">
+                  <c:v>Cumplimiento de las reglas propuesta por el grupo</c:v>
+                </c:pt>
+              </c:strCache>
+            </c:strRef>
+          </c:tx>
+          <c:cat>
+            <c:strRef>
+              <c:f>Hoja1!$F$12:$K$12</c:f>
+              <c:strCache>
+                <c:ptCount val="6"/>
+                <c:pt idx="0">
+                  <c:v>Carlos</c:v>
+                </c:pt>
+                <c:pt idx="1">
+                  <c:v>Sandra</c:v>
+                </c:pt>
+                <c:pt idx="2">
+                  <c:v>Mauricio</c:v>
+                </c:pt>
+                <c:pt idx="3">
+                  <c:v>David</c:v>
+                </c:pt>
+                <c:pt idx="4">
+                  <c:v>Willian</c:v>
+                </c:pt>
+                <c:pt idx="5">
+                  <c:v>Erik</c:v>
+                </c:pt>
+              </c:strCache>
+            </c:strRef>
+          </c:cat>
+          <c:val>
+            <c:numRef>
+              <c:f>Hoja1!$F$13:$K$13</c:f>
+              <c:numCache>
+                <c:formatCode>0.00</c:formatCode>
+                <c:ptCount val="6"/>
+                <c:pt idx="0">
+                  <c:v>4.67</c:v>
+                </c:pt>
+                <c:pt idx="1">
+                  <c:v>4.83</c:v>
+                </c:pt>
+                <c:pt idx="2">
+                  <c:v>4.67</c:v>
+                </c:pt>
+                <c:pt idx="3">
+                  <c:v>4.5</c:v>
+                </c:pt>
+                <c:pt idx="4">
+                  <c:v>4.83</c:v>
+                </c:pt>
+                <c:pt idx="5">
+                  <c:v>5</c:v>
+                </c:pt>
+              </c:numCache>
+            </c:numRef>
+          </c:val>
+        </c:ser>
+        <c:ser>
+          <c:idx val="1"/>
+          <c:order val="1"/>
+          <c:tx>
+            <c:strRef>
+              <c:f>Hoja1!$E$14</c:f>
+              <c:strCache>
+                <c:ptCount val="1"/>
+                <c:pt idx="0">
+                  <c:v>Cumplimiento con las actividades asignadas</c:v>
+                </c:pt>
+              </c:strCache>
+            </c:strRef>
+          </c:tx>
+          <c:cat>
+            <c:strRef>
+              <c:f>Hoja1!$F$12:$K$12</c:f>
+              <c:strCache>
+                <c:ptCount val="6"/>
+                <c:pt idx="0">
+                  <c:v>Carlos</c:v>
+                </c:pt>
+                <c:pt idx="1">
+                  <c:v>Sandra</c:v>
+                </c:pt>
+                <c:pt idx="2">
+                  <c:v>Mauricio</c:v>
+                </c:pt>
+                <c:pt idx="3">
+                  <c:v>David</c:v>
+                </c:pt>
+                <c:pt idx="4">
+                  <c:v>Willian</c:v>
+                </c:pt>
+                <c:pt idx="5">
+                  <c:v>Erik</c:v>
+                </c:pt>
+              </c:strCache>
+            </c:strRef>
+          </c:cat>
+          <c:val>
+            <c:numRef>
+              <c:f>Hoja1!$F$14:$K$14</c:f>
+              <c:numCache>
+                <c:formatCode>0.00</c:formatCode>
+                <c:ptCount val="6"/>
+                <c:pt idx="0">
+                  <c:v>4.83</c:v>
+                </c:pt>
+                <c:pt idx="1">
+                  <c:v>4.83</c:v>
+                </c:pt>
+                <c:pt idx="2">
+                  <c:v>4.67</c:v>
+                </c:pt>
+                <c:pt idx="3">
+                  <c:v>4.17</c:v>
+                </c:pt>
+                <c:pt idx="4">
+                  <c:v>5</c:v>
+                </c:pt>
+                <c:pt idx="5">
+                  <c:v>4.83</c:v>
+                </c:pt>
+              </c:numCache>
+            </c:numRef>
+          </c:val>
+        </c:ser>
+        <c:ser>
+          <c:idx val="2"/>
+          <c:order val="2"/>
+          <c:tx>
+            <c:strRef>
+              <c:f>Hoja1!$E$15</c:f>
+              <c:strCache>
+                <c:ptCount val="1"/>
+                <c:pt idx="0">
+                  <c:v>Apoyo a las labores de grupo</c:v>
+                </c:pt>
+              </c:strCache>
+            </c:strRef>
+          </c:tx>
+          <c:cat>
+            <c:strRef>
+              <c:f>Hoja1!$F$12:$K$12</c:f>
+              <c:strCache>
+                <c:ptCount val="6"/>
+                <c:pt idx="0">
+                  <c:v>Carlos</c:v>
+                </c:pt>
+                <c:pt idx="1">
+                  <c:v>Sandra</c:v>
+                </c:pt>
+                <c:pt idx="2">
+                  <c:v>Mauricio</c:v>
+                </c:pt>
+                <c:pt idx="3">
+                  <c:v>David</c:v>
+                </c:pt>
+                <c:pt idx="4">
+                  <c:v>Willian</c:v>
+                </c:pt>
+                <c:pt idx="5">
+                  <c:v>Erik</c:v>
+                </c:pt>
+              </c:strCache>
+            </c:strRef>
+          </c:cat>
+          <c:val>
+            <c:numRef>
+              <c:f>Hoja1!$F$15:$K$15</c:f>
+              <c:numCache>
+                <c:formatCode>0.00</c:formatCode>
+                <c:ptCount val="6"/>
+                <c:pt idx="0">
+                  <c:v>4.67</c:v>
+                </c:pt>
+                <c:pt idx="1">
+                  <c:v>4.5</c:v>
+                </c:pt>
+                <c:pt idx="2">
+                  <c:v>4.67</c:v>
+                </c:pt>
+                <c:pt idx="3">
+                  <c:v>4.67</c:v>
+                </c:pt>
+                <c:pt idx="4">
+                  <c:v>4.83</c:v>
+                </c:pt>
+                <c:pt idx="5">
+                  <c:v>5</c:v>
+                </c:pt>
+              </c:numCache>
+            </c:numRef>
+          </c:val>
+        </c:ser>
+        <c:ser>
+          <c:idx val="3"/>
+          <c:order val="3"/>
+          <c:tx>
+            <c:strRef>
+              <c:f>Hoja1!$E$16</c:f>
+              <c:strCache>
+                <c:ptCount val="1"/>
+                <c:pt idx="0">
+                  <c:v>Apoyo a los demas miembros del grupo</c:v>
+                </c:pt>
+              </c:strCache>
+            </c:strRef>
+          </c:tx>
+          <c:cat>
+            <c:strRef>
+              <c:f>Hoja1!$F$12:$K$12</c:f>
+              <c:strCache>
+                <c:ptCount val="6"/>
+                <c:pt idx="0">
+                  <c:v>Carlos</c:v>
+                </c:pt>
+                <c:pt idx="1">
+                  <c:v>Sandra</c:v>
+                </c:pt>
+                <c:pt idx="2">
+                  <c:v>Mauricio</c:v>
+                </c:pt>
+                <c:pt idx="3">
+                  <c:v>David</c:v>
+                </c:pt>
+                <c:pt idx="4">
+                  <c:v>Willian</c:v>
+                </c:pt>
+                <c:pt idx="5">
+                  <c:v>Erik</c:v>
+                </c:pt>
+              </c:strCache>
+            </c:strRef>
+          </c:cat>
+          <c:val>
+            <c:numRef>
+              <c:f>Hoja1!$F$16:$K$16</c:f>
+              <c:numCache>
+                <c:formatCode>0.00</c:formatCode>
+                <c:ptCount val="6"/>
+                <c:pt idx="0">
+                  <c:v>4.5</c:v>
+                </c:pt>
+                <c:pt idx="1">
+                  <c:v>4.17</c:v>
+                </c:pt>
+                <c:pt idx="2">
+                  <c:v>4.33</c:v>
+                </c:pt>
+                <c:pt idx="3">
+                  <c:v>4.17</c:v>
+                </c:pt>
+                <c:pt idx="4">
+                  <c:v>4.5</c:v>
+                </c:pt>
+                <c:pt idx="5">
+                  <c:v>4.83</c:v>
+                </c:pt>
+              </c:numCache>
+            </c:numRef>
+          </c:val>
+        </c:ser>
+        <c:axId val="72545792"/>
+        <c:axId val="76870784"/>
+      </c:barChart>
+      <c:catAx>
+        <c:axId val="72545792"/>
+        <c:scaling>
+          <c:orientation val="minMax"/>
+        </c:scaling>
+        <c:axPos val="b"/>
+        <c:title>
+          <c:tx>
+            <c:rich>
+              <a:bodyPr/>
+              <a:lstStyle/>
+              <a:p>
+                <a:pPr>
+                  <a:defRPr/>
+                </a:pPr>
+                <a:r>
+                  <a:rPr lang="es-CO"/>
+                  <a:t>Integrante</a:t>
+                </a:r>
+              </a:p>
+            </c:rich>
+          </c:tx>
+          <c:layout/>
+        </c:title>
+        <c:tickLblPos val="nextTo"/>
+        <c:crossAx val="76870784"/>
+        <c:crosses val="autoZero"/>
+        <c:auto val="1"/>
+        <c:lblAlgn val="ctr"/>
+        <c:lblOffset val="100"/>
+      </c:catAx>
+      <c:valAx>
+        <c:axId val="76870784"/>
+        <c:scaling>
+          <c:orientation val="minMax"/>
+          <c:max val="5"/>
+          <c:min val="0"/>
+        </c:scaling>
+        <c:axPos val="l"/>
+        <c:majorGridlines/>
+        <c:title>
+          <c:tx>
+            <c:rich>
+              <a:bodyPr rot="-5400000" vert="horz"/>
+              <a:lstStyle/>
+              <a:p>
+                <a:pPr>
+                  <a:defRPr/>
+                </a:pPr>
+                <a:r>
+                  <a:rPr lang="es-CO"/>
+                  <a:t>Calidicación</a:t>
+                </a:r>
+              </a:p>
+            </c:rich>
+          </c:tx>
+          <c:layout/>
+        </c:title>
+        <c:numFmt formatCode="0.00" sourceLinked="1"/>
+        <c:tickLblPos val="nextTo"/>
+        <c:crossAx val="72545792"/>
+        <c:crosses val="autoZero"/>
+        <c:crossBetween val="between"/>
+      </c:valAx>
+    </c:plotArea>
+    <c:legend>
+      <c:legendPos val="r"/>
+      <c:layout/>
+    </c:legend>
+    <c:plotVisOnly val="1"/>
+  </c:chart>
+  <c:spPr>
+    <a:ln>
+      <a:noFill/>
+    </a:ln>
+  </c:spPr>
+  <c:externalData r:id="rId1"/>
+</c:chartSpace>
+</file>
+
 <file path=ppt/slideLayouts/slideLayout1.xml><?xml version="1.0" encoding="utf-8"?>
 <p:sldLayout xmlns:a="http://schemas.openxmlformats.org/drawingml/2006/main" xmlns:r="http://schemas.openxmlformats.org/officeDocument/2006/relationships" xmlns:p="http://schemas.openxmlformats.org/presentationml/2006/main" showMasterSp="0" type="title" preserve="1">
   <p:cSld name="Diapositiva de título">
@@ -366,7 +968,8 @@
           <a:p>
             <a:fld id="{CDC9DF36-94A5-402C-BCEA-3DB65C159119}" type="datetimeFigureOut">
               <a:rPr lang="en-US" smtClean="0"/>
-              <a:t>3/15/2011</a:t>
+              <a:pPr/>
+              <a:t>3/16/2011</a:t>
             </a:fld>
             <a:endParaRPr lang="en-US"/>
           </a:p>
@@ -408,6 +1011,7 @@
           <a:p>
             <a:fld id="{F3A42BB3-90E8-4888-8B60-D89FFEED2115}" type="slidenum">
               <a:rPr lang="en-US" smtClean="0"/>
+              <a:pPr/>
               <a:t>‹Nº›</a:t>
             </a:fld>
             <a:endParaRPr lang="en-US"/>
@@ -589,7 +1193,8 @@
           <a:p>
             <a:fld id="{CDC9DF36-94A5-402C-BCEA-3DB65C159119}" type="datetimeFigureOut">
               <a:rPr lang="en-US" smtClean="0"/>
-              <a:t>3/15/2011</a:t>
+              <a:pPr/>
+              <a:t>3/16/2011</a:t>
             </a:fld>
             <a:endParaRPr lang="en-US"/>
           </a:p>
@@ -631,6 +1236,7 @@
           <a:p>
             <a:fld id="{F3A42BB3-90E8-4888-8B60-D89FFEED2115}" type="slidenum">
               <a:rPr lang="en-US" smtClean="0"/>
+              <a:pPr/>
               <a:t>‹Nº›</a:t>
             </a:fld>
             <a:endParaRPr lang="en-US"/>
@@ -869,7 +1475,8 @@
           <a:p>
             <a:fld id="{CDC9DF36-94A5-402C-BCEA-3DB65C159119}" type="datetimeFigureOut">
               <a:rPr lang="en-US" smtClean="0"/>
-              <a:t>3/15/2011</a:t>
+              <a:pPr/>
+              <a:t>3/16/2011</a:t>
             </a:fld>
             <a:endParaRPr lang="en-US"/>
           </a:p>
@@ -916,6 +1523,7 @@
           <a:p>
             <a:fld id="{F3A42BB3-90E8-4888-8B60-D89FFEED2115}" type="slidenum">
               <a:rPr lang="en-US" smtClean="0"/>
+              <a:pPr/>
               <a:t>‹Nº›</a:t>
             </a:fld>
             <a:endParaRPr lang="en-US"/>
@@ -1048,7 +1656,8 @@
           <a:p>
             <a:fld id="{CDC9DF36-94A5-402C-BCEA-3DB65C159119}" type="datetimeFigureOut">
               <a:rPr lang="en-US" smtClean="0"/>
-              <a:t>3/15/2011</a:t>
+              <a:pPr/>
+              <a:t>3/16/2011</a:t>
             </a:fld>
             <a:endParaRPr lang="en-US"/>
           </a:p>
@@ -1090,6 +1699,7 @@
           <a:p>
             <a:fld id="{F3A42BB3-90E8-4888-8B60-D89FFEED2115}" type="slidenum">
               <a:rPr lang="en-US" smtClean="0"/>
+              <a:pPr/>
               <a:t>‹Nº›</a:t>
             </a:fld>
             <a:endParaRPr lang="en-US"/>
@@ -1406,7 +2016,8 @@
           <a:p>
             <a:fld id="{CDC9DF36-94A5-402C-BCEA-3DB65C159119}" type="datetimeFigureOut">
               <a:rPr lang="en-US" smtClean="0"/>
-              <a:t>3/15/2011</a:t>
+              <a:pPr/>
+              <a:t>3/16/2011</a:t>
             </a:fld>
             <a:endParaRPr lang="en-US"/>
           </a:p>
@@ -1448,6 +2059,7 @@
           <a:p>
             <a:fld id="{F3A42BB3-90E8-4888-8B60-D89FFEED2115}" type="slidenum">
               <a:rPr lang="en-US" smtClean="0"/>
+              <a:pPr/>
               <a:t>‹Nº›</a:t>
             </a:fld>
             <a:endParaRPr lang="en-US"/>
@@ -1693,7 +2305,8 @@
           <a:p>
             <a:fld id="{CDC9DF36-94A5-402C-BCEA-3DB65C159119}" type="datetimeFigureOut">
               <a:rPr lang="en-US" smtClean="0"/>
-              <a:t>3/15/2011</a:t>
+              <a:pPr/>
+              <a:t>3/16/2011</a:t>
             </a:fld>
             <a:endParaRPr lang="en-US"/>
           </a:p>
@@ -1735,6 +2348,7 @@
           <a:p>
             <a:fld id="{F3A42BB3-90E8-4888-8B60-D89FFEED2115}" type="slidenum">
               <a:rPr lang="en-US" smtClean="0"/>
+              <a:pPr/>
               <a:t>‹Nº›</a:t>
             </a:fld>
             <a:endParaRPr lang="en-US"/>
@@ -2115,7 +2729,8 @@
           <a:p>
             <a:fld id="{CDC9DF36-94A5-402C-BCEA-3DB65C159119}" type="datetimeFigureOut">
               <a:rPr lang="en-US" smtClean="0"/>
-              <a:t>3/15/2011</a:t>
+              <a:pPr/>
+              <a:t>3/16/2011</a:t>
             </a:fld>
             <a:endParaRPr lang="en-US"/>
           </a:p>
@@ -2157,6 +2772,7 @@
           <a:p>
             <a:fld id="{F3A42BB3-90E8-4888-8B60-D89FFEED2115}" type="slidenum">
               <a:rPr lang="en-US" smtClean="0"/>
+              <a:pPr/>
               <a:t>‹Nº›</a:t>
             </a:fld>
             <a:endParaRPr lang="en-US"/>
@@ -2230,7 +2846,8 @@
           <a:p>
             <a:fld id="{CDC9DF36-94A5-402C-BCEA-3DB65C159119}" type="datetimeFigureOut">
               <a:rPr lang="en-US" smtClean="0"/>
-              <a:t>3/15/2011</a:t>
+              <a:pPr/>
+              <a:t>3/16/2011</a:t>
             </a:fld>
             <a:endParaRPr lang="en-US"/>
           </a:p>
@@ -2272,6 +2889,7 @@
           <a:p>
             <a:fld id="{F3A42BB3-90E8-4888-8B60-D89FFEED2115}" type="slidenum">
               <a:rPr lang="en-US" smtClean="0"/>
+              <a:pPr/>
               <a:t>‹Nº›</a:t>
             </a:fld>
             <a:endParaRPr lang="en-US"/>
@@ -2320,7 +2938,8 @@
           <a:p>
             <a:fld id="{CDC9DF36-94A5-402C-BCEA-3DB65C159119}" type="datetimeFigureOut">
               <a:rPr lang="en-US" smtClean="0"/>
-              <a:t>3/15/2011</a:t>
+              <a:pPr/>
+              <a:t>3/16/2011</a:t>
             </a:fld>
             <a:endParaRPr lang="en-US"/>
           </a:p>
@@ -2362,6 +2981,7 @@
           <a:p>
             <a:fld id="{F3A42BB3-90E8-4888-8B60-D89FFEED2115}" type="slidenum">
               <a:rPr lang="en-US" smtClean="0"/>
+              <a:pPr/>
               <a:t>‹Nº›</a:t>
             </a:fld>
             <a:endParaRPr lang="en-US"/>
@@ -2598,7 +3218,8 @@
           <a:p>
             <a:fld id="{CDC9DF36-94A5-402C-BCEA-3DB65C159119}" type="datetimeFigureOut">
               <a:rPr lang="en-US" smtClean="0"/>
-              <a:t>3/15/2011</a:t>
+              <a:pPr/>
+              <a:t>3/16/2011</a:t>
             </a:fld>
             <a:endParaRPr lang="en-US"/>
           </a:p>
@@ -2640,6 +3261,7 @@
           <a:p>
             <a:fld id="{F3A42BB3-90E8-4888-8B60-D89FFEED2115}" type="slidenum">
               <a:rPr lang="en-US" smtClean="0"/>
+              <a:pPr/>
               <a:t>‹Nº›</a:t>
             </a:fld>
             <a:endParaRPr lang="en-US"/>
@@ -2964,7 +3586,8 @@
           <a:p>
             <a:fld id="{CDC9DF36-94A5-402C-BCEA-3DB65C159119}" type="datetimeFigureOut">
               <a:rPr lang="en-US" smtClean="0"/>
-              <a:t>3/15/2011</a:t>
+              <a:pPr/>
+              <a:t>3/16/2011</a:t>
             </a:fld>
             <a:endParaRPr lang="en-US"/>
           </a:p>
@@ -3120,6 +3743,7 @@
           <a:p>
             <a:fld id="{F3A42BB3-90E8-4888-8B60-D89FFEED2115}" type="slidenum">
               <a:rPr lang="en-US" smtClean="0"/>
+              <a:pPr/>
               <a:t>‹Nº›</a:t>
             </a:fld>
             <a:endParaRPr lang="en-US"/>
@@ -3401,7 +4025,8 @@
           <a:p>
             <a:fld id="{CDC9DF36-94A5-402C-BCEA-3DB65C159119}" type="datetimeFigureOut">
               <a:rPr lang="en-US" smtClean="0"/>
-              <a:t>3/15/2011</a:t>
+              <a:pPr/>
+              <a:t>3/16/2011</a:t>
             </a:fld>
             <a:endParaRPr lang="en-US"/>
           </a:p>
@@ -3481,6 +4106,7 @@
           <a:p>
             <a:fld id="{F3A42BB3-90E8-4888-8B60-D89FFEED2115}" type="slidenum">
               <a:rPr lang="en-US" smtClean="0"/>
+              <a:pPr/>
               <a:t>‹Nº›</a:t>
             </a:fld>
             <a:endParaRPr lang="en-US"/>
@@ -3952,12 +4578,336 @@
           <a:p>
             <a:r>
               <a:rPr lang="es-CO" sz="2400" dirty="0" smtClean="0"/>
+              <a:t>EQUIPO</a:t>
+            </a:r>
+            <a:endParaRPr lang="en-US" sz="2400" dirty="0"/>
+          </a:p>
+        </p:txBody>
+      </p:sp>
+      <p:pic>
+        <p:nvPicPr>
+          <p:cNvPr id="4" name="3 Imagen" descr="ingenium-logo.png"/>
+          <p:cNvPicPr>
+            <a:picLocks noChangeAspect="1"/>
+          </p:cNvPicPr>
+          <p:nvPr/>
+        </p:nvPicPr>
+        <p:blipFill>
+          <a:blip r:embed="rId2" cstate="print"/>
+          <a:stretch>
+            <a:fillRect/>
+          </a:stretch>
+        </p:blipFill>
+        <p:spPr>
+          <a:xfrm>
+            <a:off x="5867400" y="228600"/>
+            <a:ext cx="3048006" cy="1021082"/>
+          </a:xfrm>
+          <a:prstGeom prst="rect">
+            <a:avLst/>
+          </a:prstGeom>
+        </p:spPr>
+      </p:pic>
+      <p:graphicFrame>
+        <p:nvGraphicFramePr>
+          <p:cNvPr id="5" name="4 Marcador de contenido"/>
+          <p:cNvGraphicFramePr>
+            <a:graphicFrameLocks noGrp="1"/>
+          </p:cNvGraphicFramePr>
+          <p:nvPr>
+            <p:ph idx="1"/>
+          </p:nvPr>
+        </p:nvGraphicFramePr>
+        <p:xfrm>
+          <a:off x="457200" y="1774825"/>
+          <a:ext cx="8229600" cy="4625975"/>
+        </p:xfrm>
+        <a:graphic>
+          <a:graphicData uri="http://schemas.openxmlformats.org/drawingml/2006/chart">
+            <c:chart xmlns:c="http://schemas.openxmlformats.org/drawingml/2006/chart" xmlns:r="http://schemas.openxmlformats.org/officeDocument/2006/relationships" r:id="rId3"/>
+          </a:graphicData>
+        </a:graphic>
+      </p:graphicFrame>
+    </p:spTree>
+  </p:cSld>
+  <p:clrMapOvr>
+    <a:masterClrMapping/>
+  </p:clrMapOvr>
+  <p:timing>
+    <p:tnLst>
+      <p:par>
+        <p:cTn id="1" dur="indefinite" restart="never" nodeType="tmRoot"/>
+      </p:par>
+    </p:tnLst>
+  </p:timing>
+</p:sld>
+</file>
+
+<file path=ppt/slides/slide11.xml><?xml version="1.0" encoding="utf-8"?>
+<p:sld xmlns:a="http://schemas.openxmlformats.org/drawingml/2006/main" xmlns:r="http://schemas.openxmlformats.org/officeDocument/2006/relationships" xmlns:p="http://schemas.openxmlformats.org/presentationml/2006/main">
+  <p:cSld>
+    <p:spTree>
+      <p:nvGrpSpPr>
+        <p:cNvPr id="1" name=""/>
+        <p:cNvGrpSpPr/>
+        <p:nvPr/>
+      </p:nvGrpSpPr>
+      <p:grpSpPr>
+        <a:xfrm>
+          <a:off x="0" y="0"/>
+          <a:ext cx="0" cy="0"/>
+          <a:chOff x="0" y="0"/>
+          <a:chExt cx="0" cy="0"/>
+        </a:xfrm>
+      </p:grpSpPr>
+      <p:sp>
+        <p:nvSpPr>
+          <p:cNvPr id="2" name="1 Título"/>
+          <p:cNvSpPr>
+            <a:spLocks noGrp="1"/>
+          </p:cNvSpPr>
+          <p:nvPr>
+            <p:ph type="title"/>
+          </p:nvPr>
+        </p:nvSpPr>
+        <p:spPr/>
+        <p:txBody>
+          <a:bodyPr>
+            <a:normAutofit/>
+          </a:bodyPr>
+          <a:lstStyle/>
+          <a:p>
+            <a:r>
+              <a:rPr lang="es-CO" sz="2400" dirty="0" smtClean="0"/>
+              <a:t>EQUIPO</a:t>
+            </a:r>
+            <a:endParaRPr lang="en-US" sz="2400" dirty="0"/>
+          </a:p>
+        </p:txBody>
+      </p:sp>
+      <p:pic>
+        <p:nvPicPr>
+          <p:cNvPr id="4" name="3 Imagen" descr="ingenium-logo.png"/>
+          <p:cNvPicPr>
+            <a:picLocks noChangeAspect="1"/>
+          </p:cNvPicPr>
+          <p:nvPr/>
+        </p:nvPicPr>
+        <p:blipFill>
+          <a:blip r:embed="rId2" cstate="print"/>
+          <a:stretch>
+            <a:fillRect/>
+          </a:stretch>
+        </p:blipFill>
+        <p:spPr>
+          <a:xfrm>
+            <a:off x="5867400" y="228600"/>
+            <a:ext cx="3048006" cy="1021082"/>
+          </a:xfrm>
+          <a:prstGeom prst="rect">
+            <a:avLst/>
+          </a:prstGeom>
+        </p:spPr>
+      </p:pic>
+      <p:sp>
+        <p:nvSpPr>
+          <p:cNvPr id="6" name="5 Marcador de contenido"/>
+          <p:cNvSpPr>
+            <a:spLocks noGrp="1"/>
+          </p:cNvSpPr>
+          <p:nvPr>
+            <p:ph idx="1"/>
+          </p:nvPr>
+        </p:nvSpPr>
+        <p:spPr/>
+        <p:txBody>
+          <a:bodyPr>
+            <a:normAutofit/>
+          </a:bodyPr>
+          <a:lstStyle/>
+          <a:p>
+            <a:pPr algn="just">
+              <a:buNone/>
+            </a:pPr>
+            <a:r>
+              <a:rPr lang="es-CO" dirty="0" smtClean="0"/>
+              <a:t>En </a:t>
+            </a:r>
+            <a:r>
+              <a:rPr lang="es-CO" dirty="0" smtClean="0"/>
+              <a:t>general el grupo de acuerdo a sus comentarios sabe que el proceso ha sido costoso pero espera que esto facilite los próximos ciclos.</a:t>
+            </a:r>
+            <a:endParaRPr lang="en-US" dirty="0" smtClean="0"/>
+          </a:p>
+          <a:p>
+            <a:pPr algn="just">
+              <a:buNone/>
+            </a:pPr>
+            <a:endParaRPr lang="en-US" dirty="0" smtClean="0"/>
+          </a:p>
+        </p:txBody>
+      </p:sp>
+    </p:spTree>
+  </p:cSld>
+  <p:clrMapOvr>
+    <a:masterClrMapping/>
+  </p:clrMapOvr>
+  <p:timing>
+    <p:tnLst>
+      <p:par>
+        <p:cTn id="1" dur="indefinite" restart="never" nodeType="tmRoot"/>
+      </p:par>
+    </p:tnLst>
+  </p:timing>
+</p:sld>
+</file>
+
+<file path=ppt/slides/slide12.xml><?xml version="1.0" encoding="utf-8"?>
+<p:sld xmlns:a="http://schemas.openxmlformats.org/drawingml/2006/main" xmlns:r="http://schemas.openxmlformats.org/officeDocument/2006/relationships" xmlns:p="http://schemas.openxmlformats.org/presentationml/2006/main">
+  <p:cSld>
+    <p:spTree>
+      <p:nvGrpSpPr>
+        <p:cNvPr id="1" name=""/>
+        <p:cNvGrpSpPr/>
+        <p:nvPr/>
+      </p:nvGrpSpPr>
+      <p:grpSpPr>
+        <a:xfrm>
+          <a:off x="0" y="0"/>
+          <a:ext cx="0" cy="0"/>
+          <a:chOff x="0" y="0"/>
+          <a:chExt cx="0" cy="0"/>
+        </a:xfrm>
+      </p:grpSpPr>
+      <p:sp>
+        <p:nvSpPr>
+          <p:cNvPr id="2" name="1 Título"/>
+          <p:cNvSpPr>
+            <a:spLocks noGrp="1"/>
+          </p:cNvSpPr>
+          <p:nvPr>
+            <p:ph type="title"/>
+          </p:nvPr>
+        </p:nvSpPr>
+        <p:spPr/>
+        <p:txBody>
+          <a:bodyPr>
+            <a:normAutofit/>
+          </a:bodyPr>
+          <a:lstStyle/>
+          <a:p>
+            <a:r>
+              <a:rPr lang="es-CO" sz="2400" dirty="0" smtClean="0"/>
               <a:t>HERRAMIENTAS</a:t>
             </a:r>
             <a:endParaRPr lang="en-US" sz="2400" dirty="0"/>
           </a:p>
         </p:txBody>
       </p:sp>
+      <p:pic>
+        <p:nvPicPr>
+          <p:cNvPr id="5" name="4 Marcador de contenido" descr="1300263640_Card_file.png"/>
+          <p:cNvPicPr>
+            <a:picLocks noGrp="1" noChangeAspect="1"/>
+          </p:cNvPicPr>
+          <p:nvPr>
+            <p:ph idx="1"/>
+          </p:nvPr>
+        </p:nvPicPr>
+        <p:blipFill>
+          <a:blip r:embed="rId2" cstate="print"/>
+          <a:stretch>
+            <a:fillRect/>
+          </a:stretch>
+        </p:blipFill>
+        <p:spPr>
+          <a:xfrm>
+            <a:off x="3352800" y="2868612"/>
+            <a:ext cx="2438400" cy="2438400"/>
+          </a:xfrm>
+        </p:spPr>
+      </p:pic>
+      <p:pic>
+        <p:nvPicPr>
+          <p:cNvPr id="4" name="3 Imagen" descr="ingenium-logo.png"/>
+          <p:cNvPicPr>
+            <a:picLocks noChangeAspect="1"/>
+          </p:cNvPicPr>
+          <p:nvPr/>
+        </p:nvPicPr>
+        <p:blipFill>
+          <a:blip r:embed="rId3" cstate="print"/>
+          <a:stretch>
+            <a:fillRect/>
+          </a:stretch>
+        </p:blipFill>
+        <p:spPr>
+          <a:xfrm>
+            <a:off x="5867400" y="228600"/>
+            <a:ext cx="3048006" cy="1021082"/>
+          </a:xfrm>
+          <a:prstGeom prst="rect">
+            <a:avLst/>
+          </a:prstGeom>
+        </p:spPr>
+      </p:pic>
+    </p:spTree>
+  </p:cSld>
+  <p:clrMapOvr>
+    <a:masterClrMapping/>
+  </p:clrMapOvr>
+  <p:timing>
+    <p:tnLst>
+      <p:par>
+        <p:cTn id="1" dur="indefinite" restart="never" nodeType="tmRoot"/>
+      </p:par>
+    </p:tnLst>
+  </p:timing>
+</p:sld>
+</file>
+
+<file path=ppt/slides/slide13.xml><?xml version="1.0" encoding="utf-8"?>
+<p:sld xmlns:a="http://schemas.openxmlformats.org/drawingml/2006/main" xmlns:r="http://schemas.openxmlformats.org/officeDocument/2006/relationships" xmlns:p="http://schemas.openxmlformats.org/presentationml/2006/main">
+  <p:cSld>
+    <p:spTree>
+      <p:nvGrpSpPr>
+        <p:cNvPr id="1" name=""/>
+        <p:cNvGrpSpPr/>
+        <p:nvPr/>
+      </p:nvGrpSpPr>
+      <p:grpSpPr>
+        <a:xfrm>
+          <a:off x="0" y="0"/>
+          <a:ext cx="0" cy="0"/>
+          <a:chOff x="0" y="0"/>
+          <a:chExt cx="0" cy="0"/>
+        </a:xfrm>
+      </p:grpSpPr>
+      <p:sp>
+        <p:nvSpPr>
+          <p:cNvPr id="2" name="1 Título"/>
+          <p:cNvSpPr>
+            <a:spLocks noGrp="1"/>
+          </p:cNvSpPr>
+          <p:nvPr>
+            <p:ph type="title"/>
+          </p:nvPr>
+        </p:nvSpPr>
+        <p:spPr/>
+        <p:txBody>
+          <a:bodyPr>
+            <a:normAutofit/>
+          </a:bodyPr>
+          <a:lstStyle/>
+          <a:p>
+            <a:r>
+              <a:rPr lang="es-CO" sz="2400" dirty="0" smtClean="0"/>
+              <a:t>PROPUESTA  DE MEJORAMIENTO</a:t>
+            </a:r>
+            <a:endParaRPr lang="en-US" sz="2400" dirty="0"/>
+          </a:p>
+        </p:txBody>
+      </p:sp>
       <p:sp>
         <p:nvSpPr>
           <p:cNvPr id="3" name="2 Marcador de contenido"/>
@@ -3970,10 +4920,64 @@
         </p:nvSpPr>
         <p:spPr/>
         <p:txBody>
-          <a:bodyPr/>
+          <a:bodyPr>
+            <a:normAutofit/>
+          </a:bodyPr>
           <a:lstStyle/>
           <a:p>
-            <a:endParaRPr lang="en-US"/>
+            <a:pPr>
+              <a:buNone/>
+            </a:pPr>
+            <a:r>
+              <a:rPr lang="es-CO" sz="2800" dirty="0" smtClean="0"/>
+              <a:t>Todos los integrantes del equipo deben estar presentes y llegar a un acuerdo de las actividades a desarrollar para que no se sobrecargue a nadie.</a:t>
+            </a:r>
+            <a:endParaRPr lang="en-US" sz="2800" dirty="0" smtClean="0"/>
+          </a:p>
+          <a:p>
+            <a:pPr>
+              <a:buNone/>
+            </a:pPr>
+            <a:r>
+              <a:rPr lang="es-CO" sz="2800" dirty="0" smtClean="0"/>
+              <a:t> </a:t>
+            </a:r>
+            <a:endParaRPr lang="en-US" sz="2800" dirty="0" smtClean="0"/>
+          </a:p>
+          <a:p>
+            <a:pPr>
+              <a:buNone/>
+            </a:pPr>
+            <a:r>
+              <a:rPr lang="es-CO" sz="2800" dirty="0" smtClean="0"/>
+              <a:t>Es indispensable que se normalicen los datos de cada persona para que se puedan tener en cuanta en el análisis grupal</a:t>
+            </a:r>
+            <a:r>
+              <a:rPr lang="es-CO" sz="2800" dirty="0" smtClean="0"/>
+              <a:t>.</a:t>
+            </a:r>
+          </a:p>
+          <a:p>
+            <a:pPr>
+              <a:buNone/>
+            </a:pPr>
+            <a:endParaRPr lang="en-US" sz="2800" dirty="0" smtClean="0"/>
+          </a:p>
+          <a:p>
+            <a:pPr>
+              <a:buNone/>
+            </a:pPr>
+            <a:r>
+              <a:rPr lang="es-CO" sz="2800" dirty="0" smtClean="0"/>
+              <a:t> </a:t>
+            </a:r>
+            <a:endParaRPr lang="en-US" sz="2800" dirty="0" smtClean="0"/>
+          </a:p>
+          <a:p>
+            <a:pPr>
+              <a:buNone/>
+            </a:pPr>
+            <a:endParaRPr lang="en-US" sz="2800" dirty="0"/>
           </a:p>
         </p:txBody>
       </p:sp>
@@ -4016,7 +5020,7 @@
 </p:sld>
 </file>
 
-<file path=ppt/slides/slide11.xml><?xml version="1.0" encoding="utf-8"?>
+<file path=ppt/slides/slide14.xml><?xml version="1.0" encoding="utf-8"?>
 <p:sld xmlns:a="http://schemas.openxmlformats.org/drawingml/2006/main" xmlns:r="http://schemas.openxmlformats.org/officeDocument/2006/relationships" xmlns:p="http://schemas.openxmlformats.org/presentationml/2006/main">
   <p:cSld>
     <p:spTree>
@@ -4052,7 +5056,7 @@
           <a:p>
             <a:r>
               <a:rPr lang="es-CO" sz="2400" dirty="0" smtClean="0"/>
-              <a:t>EVALUACIÓN</a:t>
+              <a:t>PROPUESTA  DE MEJORAMIENTO</a:t>
             </a:r>
             <a:endParaRPr lang="en-US" sz="2400" dirty="0"/>
           </a:p>
@@ -4070,10 +5074,65 @@
         </p:nvSpPr>
         <p:spPr/>
         <p:txBody>
-          <a:bodyPr/>
+          <a:bodyPr>
+            <a:normAutofit/>
+          </a:bodyPr>
           <a:lstStyle/>
           <a:p>
-            <a:endParaRPr lang="en-US"/>
+            <a:pPr>
+              <a:buNone/>
+            </a:pPr>
+            <a:r>
+              <a:rPr lang="es-CO" sz="2800" dirty="0" smtClean="0"/>
+              <a:t>Se debe considerar un análisis a nivel de tareas para aprender de cada integrante de manera más detallada y proponer mejoras más conscientemente.</a:t>
+            </a:r>
+            <a:endParaRPr lang="en-US" sz="2800" dirty="0" smtClean="0"/>
+          </a:p>
+          <a:p>
+            <a:pPr>
+              <a:buNone/>
+            </a:pPr>
+            <a:r>
+              <a:rPr lang="es-CO" sz="2800" dirty="0" smtClean="0"/>
+              <a:t> </a:t>
+            </a:r>
+            <a:endParaRPr lang="en-US" sz="2800" dirty="0" smtClean="0"/>
+          </a:p>
+          <a:p>
+            <a:pPr>
+              <a:buNone/>
+            </a:pPr>
+            <a:r>
+              <a:rPr lang="es-CO" sz="2800" dirty="0" smtClean="0"/>
+              <a:t>Se debe seguir con la buena práctica de buscar errores en cada fase a través de los diferentes métodos, inspección, pruebas, discusiones, etc.</a:t>
+            </a:r>
+            <a:endParaRPr lang="en-US" sz="2800" dirty="0" smtClean="0"/>
+          </a:p>
+          <a:p>
+            <a:pPr>
+              <a:buNone/>
+            </a:pPr>
+            <a:r>
+              <a:rPr lang="es-CO" sz="2800" dirty="0" smtClean="0"/>
+              <a:t> </a:t>
+            </a:r>
+            <a:endParaRPr lang="en-US" sz="2800" dirty="0" smtClean="0"/>
+          </a:p>
+          <a:p>
+            <a:pPr>
+              <a:buNone/>
+            </a:pPr>
+            <a:r>
+              <a:rPr lang="es-CO" sz="2800" dirty="0" smtClean="0"/>
+              <a:t> </a:t>
+            </a:r>
+            <a:endParaRPr lang="en-US" sz="2800" dirty="0" smtClean="0"/>
+          </a:p>
+          <a:p>
+            <a:pPr>
+              <a:buNone/>
+            </a:pPr>
+            <a:endParaRPr lang="en-US" sz="2800" dirty="0"/>
           </a:p>
         </p:txBody>
       </p:sp>
@@ -4116,7 +5175,7 @@
 </p:sld>
 </file>
 
-<file path=ppt/slides/slide12.xml><?xml version="1.0" encoding="utf-8"?>
+<file path=ppt/slides/slide15.xml><?xml version="1.0" encoding="utf-8"?>
 <p:sld xmlns:a="http://schemas.openxmlformats.org/drawingml/2006/main" xmlns:r="http://schemas.openxmlformats.org/officeDocument/2006/relationships" xmlns:p="http://schemas.openxmlformats.org/presentationml/2006/main">
   <p:cSld>
     <p:spTree>
@@ -4170,10 +5229,42 @@
         </p:nvSpPr>
         <p:spPr/>
         <p:txBody>
-          <a:bodyPr/>
+          <a:bodyPr>
+            <a:normAutofit/>
+          </a:bodyPr>
           <a:lstStyle/>
           <a:p>
-            <a:endParaRPr lang="en-US"/>
+            <a:pPr>
+              <a:buNone/>
+            </a:pPr>
+            <a:r>
+              <a:rPr lang="es-CO" sz="2800" dirty="0" smtClean="0"/>
+              <a:t>Se debe considerar plantear objetivos  y  métricas más sencillas y en una menor cantidad para evaluar mejor el proceso, el grupo y el software.</a:t>
+            </a:r>
+            <a:endParaRPr lang="en-US" sz="2800" dirty="0" smtClean="0"/>
+          </a:p>
+          <a:p>
+            <a:pPr>
+              <a:buNone/>
+            </a:pPr>
+            <a:r>
+              <a:rPr lang="es-CO" sz="2800" dirty="0" smtClean="0"/>
+              <a:t> </a:t>
+            </a:r>
+            <a:endParaRPr lang="en-US" sz="2800" dirty="0" smtClean="0"/>
+          </a:p>
+          <a:p>
+            <a:pPr>
+              <a:buNone/>
+            </a:pPr>
+            <a:r>
+              <a:rPr lang="es-CO" sz="2800" dirty="0" smtClean="0"/>
+              <a:t>Para evaluación de ciclos posteriores se debe considerar el tiempo completo desde el ciclo 1 debido a que gran trabajo de preparación para los ciclos siguientes se realizo en el primer ciclo</a:t>
+            </a:r>
+            <a:r>
+              <a:rPr lang="es-CO" sz="2800" dirty="0" smtClean="0"/>
+              <a:t>.</a:t>
+            </a:r>
           </a:p>
         </p:txBody>
       </p:sp>
@@ -4412,11 +5503,7 @@
             <a:pPr lvl="0"/>
             <a:r>
               <a:rPr lang="es-CO" sz="2000" dirty="0" smtClean="0"/>
-              <a:t>Permitir al usuario generar el reporte de productividad del grupo, así como también la productividad de cada </a:t>
-            </a:r>
-            <a:r>
-              <a:rPr lang="es-CO" sz="2000" dirty="0" smtClean="0"/>
-              <a:t>integrante. (</a:t>
+              <a:t>Permitir al usuario generar el reporte de productividad del grupo, así como también la productividad de cada integrante. (</a:t>
             </a:r>
             <a:r>
               <a:rPr lang="es-CO" sz="2000" b="1" dirty="0" smtClean="0"/>
@@ -4435,15 +5522,7 @@
             <a:pPr lvl="0"/>
             <a:r>
               <a:rPr lang="es-CO" sz="2000" dirty="0" smtClean="0"/>
-              <a:t>Permitir </a:t>
-            </a:r>
-            <a:r>
-              <a:rPr lang="es-CO" sz="2000" dirty="0" smtClean="0"/>
-              <a:t>al usuario registrar el grupo de trabajo dentro de la </a:t>
-            </a:r>
-            <a:r>
-              <a:rPr lang="es-CO" sz="2000" dirty="0" smtClean="0"/>
-              <a:t>aplicación (</a:t>
+              <a:t>Permitir al usuario registrar el grupo de trabajo dentro de la aplicación (</a:t>
             </a:r>
             <a:r>
               <a:rPr lang="es-CO" sz="2000" b="1" dirty="0" smtClean="0"/>
@@ -4464,19 +5543,7 @@
             <a:pPr lvl="0"/>
             <a:r>
               <a:rPr lang="es-CO" sz="2000" dirty="0" smtClean="0"/>
-              <a:t>Permitir al usuario registrar las tareas planeadas por cada ciclo y </a:t>
-            </a:r>
-            <a:r>
-              <a:rPr lang="es-CO" sz="2000" dirty="0" smtClean="0"/>
-              <a:t>asignarlas </a:t>
-            </a:r>
-            <a:r>
-              <a:rPr lang="es-CO" sz="2000" dirty="0" smtClean="0"/>
-              <a:t>a un </a:t>
-            </a:r>
-            <a:r>
-              <a:rPr lang="es-CO" sz="2000" dirty="0" smtClean="0"/>
-              <a:t>responsable (</a:t>
+              <a:t>Permitir al usuario registrar las tareas planeadas por cada ciclo y asignarlas a un responsable (</a:t>
             </a:r>
             <a:r>
               <a:rPr lang="es-CO" sz="2000" b="1" dirty="0" smtClean="0"/>
@@ -4497,11 +5564,7 @@
             <a:pPr lvl="0"/>
             <a:r>
               <a:rPr lang="es-CO" sz="2000" dirty="0" smtClean="0"/>
-              <a:t>Permitir al usuario  registrar el plan de calidad </a:t>
-            </a:r>
-            <a:r>
-              <a:rPr lang="es-CO" sz="2000" dirty="0" smtClean="0"/>
-              <a:t>(</a:t>
+              <a:t>Permitir al usuario  registrar el plan de calidad (</a:t>
             </a:r>
             <a:r>
               <a:rPr lang="es-CO" sz="2000" b="1" dirty="0" smtClean="0"/>
@@ -4522,11 +5585,7 @@
             <a:pPr lvl="0"/>
             <a:r>
               <a:rPr lang="es-CO" sz="2000" dirty="0" smtClean="0"/>
-              <a:t>Permitir al usuario generar el reporte de productividad del grupo, así como también la productividad de cada integrante del </a:t>
-            </a:r>
-            <a:r>
-              <a:rPr lang="es-CO" sz="2000" dirty="0" smtClean="0"/>
-              <a:t>grupo de manera gráfica. (</a:t>
+              <a:t>Permitir al usuario generar el reporte de productividad del grupo, así como también la productividad de cada integrante del grupo de manera gráfica. (</a:t>
             </a:r>
             <a:r>
               <a:rPr lang="es-CO" sz="2000" b="1" dirty="0" smtClean="0"/>
@@ -5017,6 +6076,30 @@
           </a:p>
         </p:txBody>
       </p:sp>
+      <p:pic>
+        <p:nvPicPr>
+          <p:cNvPr id="6" name="5 Imagen"/>
+          <p:cNvPicPr/>
+          <p:nvPr/>
+        </p:nvPicPr>
+        <p:blipFill>
+          <a:blip r:embed="rId3" cstate="print"/>
+          <a:srcRect/>
+          <a:stretch>
+            <a:fillRect/>
+          </a:stretch>
+        </p:blipFill>
+        <p:spPr bwMode="auto">
+          <a:xfrm>
+            <a:off x="609600" y="2057400"/>
+            <a:ext cx="4550449" cy="3255546"/>
+          </a:xfrm>
+          <a:prstGeom prst="rect">
+            <a:avLst/>
+          </a:prstGeom>
+          <a:noFill/>
+        </p:spPr>
+      </p:pic>
     </p:spTree>
   </p:cSld>
   <p:clrMapOvr>
@@ -5122,45 +6205,49 @@
       </p:pic>
       <p:sp>
         <p:nvSpPr>
-          <p:cNvPr id="5" name="4 CuadroTexto"/>
-          <p:cNvSpPr txBox="1"/>
+          <p:cNvPr id="6" name="5 Rectángulo"/>
+          <p:cNvSpPr/>
           <p:nvPr/>
         </p:nvSpPr>
         <p:spPr>
           <a:xfrm>
-            <a:off x="5562600" y="2286000"/>
-            <a:ext cx="2819400" cy="1600438"/>
+            <a:off x="3810000" y="4953000"/>
+            <a:ext cx="4572000" cy="1200329"/>
           </a:xfrm>
           <a:prstGeom prst="rect">
             <a:avLst/>
           </a:prstGeom>
-          <a:noFill/>
         </p:spPr>
         <p:txBody>
-          <a:bodyPr wrap="square" rtlCol="0">
+          <a:bodyPr>
             <a:spAutoFit/>
           </a:bodyPr>
           <a:lstStyle/>
           <a:p>
             <a:r>
-              <a:rPr lang="es-CO" sz="1400" dirty="0" smtClean="0"/>
-              <a:t>Resultados del aplicativo, donde se procesan las anotaciones por cada persona del equipo y se presentan de  manera agradable al usuario.</a:t>
-            </a:r>
-          </a:p>
-          <a:p>
-            <a:endParaRPr lang="es-CO" sz="1400" dirty="0"/>
-          </a:p>
-          <a:p>
-            <a:r>
-              <a:rPr lang="es-CO" sz="1400" b="1" dirty="0" smtClean="0"/>
-              <a:t>Resultados  ciclo 3</a:t>
-            </a:r>
-          </a:p>
-          <a:p>
-            <a:endParaRPr lang="en-US" sz="1400" dirty="0"/>
-          </a:p>
-        </p:txBody>
-      </p:sp>
+              <a:rPr lang="es-CO" dirty="0" smtClean="0"/>
+              <a:t>En total se registraron 54,4 horas de trabajo para realizar  84 líneas de código, con un a productividad de 2 líneas de código por hora aproximadamente. </a:t>
+            </a:r>
+            <a:endParaRPr lang="en-US" dirty="0"/>
+          </a:p>
+        </p:txBody>
+      </p:sp>
+      <p:graphicFrame>
+        <p:nvGraphicFramePr>
+          <p:cNvPr id="7" name="6 Gráfico"/>
+          <p:cNvGraphicFramePr/>
+          <p:nvPr/>
+        </p:nvGraphicFramePr>
+        <p:xfrm>
+          <a:off x="762000" y="1905000"/>
+          <a:ext cx="4686300" cy="2581275"/>
+        </p:xfrm>
+        <a:graphic>
+          <a:graphicData uri="http://schemas.openxmlformats.org/drawingml/2006/chart">
+            <c:chart xmlns:c="http://schemas.openxmlformats.org/drawingml/2006/chart" xmlns:r="http://schemas.openxmlformats.org/officeDocument/2006/relationships" r:id="rId3"/>
+          </a:graphicData>
+        </a:graphic>
+      </p:graphicFrame>
     </p:spTree>
   </p:cSld>
   <p:clrMapOvr>
@@ -5230,10 +6317,41 @@
         </p:nvSpPr>
         <p:spPr/>
         <p:txBody>
-          <a:bodyPr/>
+          <a:bodyPr>
+            <a:normAutofit/>
+          </a:bodyPr>
           <a:lstStyle/>
           <a:p>
-            <a:endParaRPr lang="en-US"/>
+            <a:pPr algn="just">
+              <a:buNone/>
+            </a:pPr>
+            <a:r>
+              <a:rPr lang="es-CO" dirty="0" smtClean="0"/>
+              <a:t>Para el desarrollo del proceso TSP se </a:t>
+            </a:r>
+            <a:r>
+              <a:rPr lang="es-CO" dirty="0" smtClean="0"/>
+              <a:t>planteó </a:t>
+            </a:r>
+            <a:r>
+              <a:rPr lang="es-CO" dirty="0" smtClean="0"/>
+              <a:t>la generación de algunos entregables que guiaron todo el proceso de desarrollo,  en cada fase se consideraron los artefactos necesarios para le apoyo al desarrollo del software y fueron recopilados en </a:t>
+            </a:r>
+            <a:r>
+              <a:rPr lang="es-CO" dirty="0" smtClean="0"/>
+              <a:t>el documento TSP.</a:t>
+            </a:r>
+            <a:endParaRPr lang="en-US" dirty="0" smtClean="0"/>
+          </a:p>
+          <a:p>
+            <a:pPr>
+              <a:buNone/>
+            </a:pPr>
+            <a:r>
+              <a:rPr lang="es-CO" dirty="0" smtClean="0"/>
+              <a:t> </a:t>
+            </a:r>
+            <a:endParaRPr lang="en-US" dirty="0" smtClean="0"/>
           </a:p>
         </p:txBody>
       </p:sp>
@@ -5312,7 +6430,7 @@
           <a:p>
             <a:r>
               <a:rPr lang="es-CO" sz="2400" dirty="0" smtClean="0"/>
-              <a:t>EQUIPO</a:t>
+              <a:t>PROCESO DE TSP</a:t>
             </a:r>
             <a:endParaRPr lang="en-US" sz="2400" dirty="0"/>
           </a:p>
@@ -5330,10 +6448,137 @@
         </p:nvSpPr>
         <p:spPr/>
         <p:txBody>
-          <a:bodyPr/>
+          <a:bodyPr>
+            <a:normAutofit fontScale="55000" lnSpcReduction="20000"/>
+          </a:bodyPr>
           <a:lstStyle/>
           <a:p>
-            <a:endParaRPr lang="en-US"/>
+            <a:pPr algn="just">
+              <a:buNone/>
+            </a:pPr>
+            <a:r>
+              <a:rPr lang="es-CO" dirty="0" smtClean="0"/>
+              <a:t>Se </a:t>
+            </a:r>
+            <a:r>
+              <a:rPr lang="es-CO" dirty="0" smtClean="0"/>
+              <a:t>Inicio todo el proceso con la creación del documento de lanzamiento.</a:t>
+            </a:r>
+            <a:endParaRPr lang="en-US" dirty="0" smtClean="0"/>
+          </a:p>
+          <a:p>
+            <a:pPr algn="just">
+              <a:buNone/>
+            </a:pPr>
+            <a:r>
+              <a:rPr lang="es-CO" dirty="0" smtClean="0"/>
+              <a:t> </a:t>
+            </a:r>
+            <a:endParaRPr lang="en-US" dirty="0" smtClean="0"/>
+          </a:p>
+          <a:p>
+            <a:pPr algn="just">
+              <a:buNone/>
+            </a:pPr>
+            <a:r>
+              <a:rPr lang="es-CO" dirty="0" smtClean="0"/>
+              <a:t>Se desarrollo el proxy y se realizaron las estimaciones con la recopilación de los datos de cada uno de los integrantes del grupo, estos datos fueron normalizados para que pudieran utilizarse de manera confiable.</a:t>
+            </a:r>
+            <a:endParaRPr lang="en-US" dirty="0" smtClean="0"/>
+          </a:p>
+          <a:p>
+            <a:pPr algn="just">
+              <a:buNone/>
+            </a:pPr>
+            <a:r>
+              <a:rPr lang="es-CO" dirty="0" smtClean="0"/>
+              <a:t> </a:t>
+            </a:r>
+            <a:endParaRPr lang="en-US" dirty="0" smtClean="0"/>
+          </a:p>
+          <a:p>
+            <a:pPr algn="just">
+              <a:buNone/>
+            </a:pPr>
+            <a:r>
+              <a:rPr lang="es-CO" dirty="0" smtClean="0"/>
+              <a:t>Con todos estos datos el líder de planeación nos guio para crear un cronograma que nos permitiera con los recursos disponibles alcanzar el producto que definimos desarrollar.</a:t>
+            </a:r>
+            <a:endParaRPr lang="en-US" dirty="0" smtClean="0"/>
+          </a:p>
+          <a:p>
+            <a:pPr algn="just">
+              <a:buNone/>
+            </a:pPr>
+            <a:r>
+              <a:rPr lang="es-CO" dirty="0" smtClean="0"/>
+              <a:t> </a:t>
+            </a:r>
+            <a:endParaRPr lang="en-US" dirty="0" smtClean="0"/>
+          </a:p>
+          <a:p>
+            <a:pPr algn="just">
+              <a:buNone/>
+            </a:pPr>
+            <a:r>
+              <a:rPr lang="es-CO" dirty="0" smtClean="0"/>
+              <a:t>A través de un repositorio con control de versiones y un plan se llevó el seguimiento,  y se logró control permanente de las actividades tanto del desarrollo del software, como el  proceso TSP.</a:t>
+            </a:r>
+            <a:endParaRPr lang="en-US" dirty="0" smtClean="0"/>
+          </a:p>
+          <a:p>
+            <a:pPr algn="just">
+              <a:buNone/>
+            </a:pPr>
+            <a:r>
+              <a:rPr lang="es-CO" dirty="0" smtClean="0"/>
+              <a:t> </a:t>
+            </a:r>
+            <a:endParaRPr lang="en-US" dirty="0" smtClean="0"/>
+          </a:p>
+          <a:p>
+            <a:pPr algn="just">
+              <a:buNone/>
+            </a:pPr>
+            <a:r>
+              <a:rPr lang="es-CO" dirty="0" smtClean="0"/>
+              <a:t>Finalmente, con ayuda de las herramientas seleccionadas y nuestro propio software, se realizó la evaluación de las actividades para este ciclo y se cerró satisfactoriamente.</a:t>
+            </a:r>
+            <a:endParaRPr lang="en-US" dirty="0" smtClean="0"/>
+          </a:p>
+          <a:p>
+            <a:pPr algn="just">
+              <a:buNone/>
+            </a:pPr>
+            <a:r>
+              <a:rPr lang="es-CO" dirty="0" smtClean="0"/>
+              <a:t> </a:t>
+            </a:r>
+            <a:endParaRPr lang="en-US" dirty="0" smtClean="0"/>
+          </a:p>
+          <a:p>
+            <a:pPr>
+              <a:buNone/>
+            </a:pPr>
+            <a:r>
+              <a:rPr lang="es-ES" dirty="0" smtClean="0"/>
+              <a:t> </a:t>
+            </a:r>
+          </a:p>
+          <a:p>
+            <a:pPr>
+              <a:buNone/>
+            </a:pPr>
+            <a:r>
+              <a:rPr lang="es-ES" dirty="0" smtClean="0"/>
+              <a:t> </a:t>
+            </a:r>
+          </a:p>
+          <a:p>
+            <a:pPr>
+              <a:buNone/>
+            </a:pPr>
+            <a:endParaRPr lang="en-US" dirty="0"/>
           </a:p>
         </p:txBody>
       </p:sp>
